--- a/Ppt Digital Financial Literacy AI agent IBM cloud.pptx
+++ b/Ppt Digital Financial Literacy AI agent IBM cloud.pptx
@@ -5,7 +5,7 @@
     <p:sldMasterId id="2147483712" r:id="rId4"/>
   </p:sldMasterIdLst>
   <p:notesMasterIdLst>
-    <p:notesMasterId r:id="rId22"/>
+    <p:notesMasterId r:id="rId23"/>
   </p:notesMasterIdLst>
   <p:sldIdLst>
     <p:sldId id="256" r:id="rId5"/>
@@ -24,7 +24,8 @@
     <p:sldId id="2146847055" r:id="rId18"/>
     <p:sldId id="2146847059" r:id="rId19"/>
     <p:sldId id="2146847069" r:id="rId20"/>
-    <p:sldId id="259" r:id="rId21"/>
+    <p:sldId id="2146847071" r:id="rId21"/>
+    <p:sldId id="259" r:id="rId22"/>
   </p:sldIdLst>
   <p:sldSz cx="12192000" cy="6858000"/>
   <p:notesSz cx="6858000" cy="9144000"/>
@@ -223,7 +224,7 @@
           <a:p>
             <a:fld id="{46256A78-79A6-408F-8148-4F87BB81602D}" type="datetimeFigureOut">
               <a:rPr lang="en-IN" smtClean="0"/>
-              <a:t>03-08-2025</a:t>
+              <a:t>05-08-2025</a:t>
             </a:fld>
             <a:endParaRPr lang="en-IN"/>
           </a:p>
@@ -727,7 +728,7 @@
           <a:p>
             <a:fld id="{ED291B17-9318-49DB-B28B-6E5994AE9581}" type="datetime1">
               <a:rPr lang="en-US" smtClean="0"/>
-              <a:t>8/3/2025</a:t>
+              <a:t>8/5/2025</a:t>
             </a:fld>
             <a:endParaRPr lang="en-US"/>
           </a:p>
@@ -936,7 +937,7 @@
           <a:p>
             <a:fld id="{2CED4963-E985-44C4-B8C4-FDD613B7C2F8}" type="datetime1">
               <a:rPr lang="en-US" smtClean="0"/>
-              <a:t>8/3/2025</a:t>
+              <a:t>8/5/2025</a:t>
             </a:fld>
             <a:endParaRPr lang="en-US"/>
           </a:p>
@@ -1304,7 +1305,7 @@
           <a:p>
             <a:fld id="{ED291B17-9318-49DB-B28B-6E5994AE9581}" type="datetime1">
               <a:rPr lang="en-US" smtClean="0"/>
-              <a:t>8/3/2025</a:t>
+              <a:t>8/5/2025</a:t>
             </a:fld>
             <a:endParaRPr lang="en-US"/>
           </a:p>
@@ -1508,7 +1509,7 @@
           <a:p>
             <a:fld id="{78DD82B9-B8EE-4375-B6FF-88FA6ABB15D9}" type="datetime1">
               <a:rPr lang="en-US" smtClean="0"/>
-              <a:t>8/3/2025</a:t>
+              <a:t>8/5/2025</a:t>
             </a:fld>
             <a:endParaRPr lang="en-US"/>
           </a:p>
@@ -1765,7 +1766,7 @@
           <a:p>
             <a:fld id="{B2497495-0637-405E-AE64-5CC7506D51F5}" type="datetime1">
               <a:rPr lang="en-US" smtClean="0"/>
-              <a:t>8/3/2025</a:t>
+              <a:t>8/5/2025</a:t>
             </a:fld>
             <a:endParaRPr lang="en-US"/>
           </a:p>
@@ -2023,7 +2024,7 @@
           <a:p>
             <a:fld id="{7BFFD690-9426-415D-8B65-26881E07B2D4}" type="datetime1">
               <a:rPr lang="en-US" smtClean="0"/>
-              <a:t>8/3/2025</a:t>
+              <a:t>8/5/2025</a:t>
             </a:fld>
             <a:endParaRPr lang="en-US"/>
           </a:p>
@@ -2450,7 +2451,7 @@
           <a:p>
             <a:fld id="{04C4989A-474C-40DE-95B9-011C28B71673}" type="datetime1">
               <a:rPr lang="en-US" smtClean="0"/>
-              <a:t>8/3/2025</a:t>
+              <a:t>8/5/2025</a:t>
             </a:fld>
             <a:endParaRPr lang="en-US"/>
           </a:p>
@@ -2580,7 +2581,7 @@
           <a:p>
             <a:fld id="{5DB4ED54-5B5E-4A04-93D3-5772E3CE3818}" type="datetime1">
               <a:rPr lang="en-US" smtClean="0"/>
-              <a:t>8/3/2025</a:t>
+              <a:t>8/5/2025</a:t>
             </a:fld>
             <a:endParaRPr lang="en-US"/>
           </a:p>
@@ -2683,7 +2684,7 @@
           <a:p>
             <a:fld id="{4EDE50D6-574B-40AF-946F-D52A04ADE379}" type="datetime1">
               <a:rPr lang="en-US" smtClean="0"/>
-              <a:t>8/3/2025</a:t>
+              <a:t>8/5/2025</a:t>
             </a:fld>
             <a:endParaRPr lang="en-US"/>
           </a:p>
@@ -3066,7 +3067,7 @@
           <a:p>
             <a:fld id="{D82884F1-FFEA-405F-9602-3DCA865EDA4E}" type="datetime1">
               <a:rPr lang="en-US" smtClean="0"/>
-              <a:t>8/3/2025</a:t>
+              <a:t>8/5/2025</a:t>
             </a:fld>
             <a:endParaRPr lang="en-US"/>
           </a:p>
@@ -3360,7 +3361,7 @@
           <a:p>
             <a:fld id="{7E18DB4A-8810-4A10-AD5C-D5E2C667F5B3}" type="datetime1">
               <a:rPr lang="en-US" smtClean="0"/>
-              <a:t>8/3/2025</a:t>
+              <a:t>8/5/2025</a:t>
             </a:fld>
             <a:endParaRPr lang="en-US"/>
           </a:p>
@@ -3581,7 +3582,7 @@
           <a:p>
             <a:fld id="{ED291B17-9318-49DB-B28B-6E5994AE9581}" type="datetime1">
               <a:rPr lang="en-US" smtClean="0"/>
-              <a:t>8/3/2025</a:t>
+              <a:t>8/5/2025</a:t>
             </a:fld>
             <a:endParaRPr lang="en-US"/>
           </a:p>
@@ -4368,19 +4369,7 @@
                 <a:latin typeface="Arial" pitchFamily="34" charset="0"/>
                 <a:cs typeface="Arial" pitchFamily="34" charset="0"/>
               </a:rPr>
-              <a:t>Student name </a:t>
-            </a:r>
-            <a:r>
-              <a:rPr lang="en-US" sz="2000" b="1" dirty="0" smtClean="0">
-                <a:solidFill>
-                  <a:schemeClr val="accent1">
-                    <a:lumMod val="75000"/>
-                  </a:schemeClr>
-                </a:solidFill>
-                <a:latin typeface="Arial" pitchFamily="34" charset="0"/>
-                <a:cs typeface="Arial" pitchFamily="34" charset="0"/>
-              </a:rPr>
-              <a:t>: Rijul Yogesh Negi</a:t>
+              <a:t>Student name : Rijul Yogesh Negi</a:t>
             </a:r>
             <a:endParaRPr lang="en-US" sz="2000" b="1" dirty="0">
               <a:solidFill>
@@ -4839,11 +4828,7 @@
           <a:p>
             <a:r>
               <a:rPr lang="en-IN" b="1" dirty="0" smtClean="0"/>
-              <a:t>GitHub Link</a:t>
-            </a:r>
-            <a:r>
-              <a:rPr lang="en-IN" b="1" dirty="0" smtClean="0"/>
-              <a:t>:-</a:t>
+              <a:t>GitHub Link:-</a:t>
             </a:r>
             <a:r>
               <a:rPr lang="en-IN" dirty="0" smtClean="0"/>
@@ -5248,6 +5233,60 @@
 </file>
 
 <file path=ppt/slides/slide17.xml><?xml version="1.0" encoding="utf-8"?>
+<p:sld xmlns:a="http://schemas.openxmlformats.org/drawingml/2006/main" xmlns:r="http://schemas.openxmlformats.org/officeDocument/2006/relationships" xmlns:p="http://schemas.openxmlformats.org/presentationml/2006/main">
+  <p:cSld>
+    <p:spTree>
+      <p:nvGrpSpPr>
+        <p:cNvPr id="1" name=""/>
+        <p:cNvGrpSpPr/>
+        <p:nvPr/>
+      </p:nvGrpSpPr>
+      <p:grpSpPr>
+        <a:xfrm>
+          <a:off x="0" y="0"/>
+          <a:ext cx="0" cy="0"/>
+          <a:chOff x="0" y="0"/>
+          <a:chExt cx="0" cy="0"/>
+        </a:xfrm>
+      </p:grpSpPr>
+      <p:pic>
+        <p:nvPicPr>
+          <p:cNvPr id="3" name="Picture 2"/>
+          <p:cNvPicPr>
+            <a:picLocks noChangeAspect="1"/>
+          </p:cNvPicPr>
+          <p:nvPr/>
+        </p:nvPicPr>
+        <p:blipFill>
+          <a:blip r:embed="rId2"/>
+          <a:stretch>
+            <a:fillRect/>
+          </a:stretch>
+        </p:blipFill>
+        <p:spPr>
+          <a:xfrm>
+            <a:off x="1897640" y="657224"/>
+            <a:ext cx="7911378" cy="5888035"/>
+          </a:xfrm>
+          <a:prstGeom prst="rect">
+            <a:avLst/>
+          </a:prstGeom>
+        </p:spPr>
+      </p:pic>
+    </p:spTree>
+    <p:extLst>
+      <p:ext uri="{BB962C8B-B14F-4D97-AF65-F5344CB8AC3E}">
+        <p14:creationId xmlns:p14="http://schemas.microsoft.com/office/powerpoint/2010/main" val="277723823"/>
+      </p:ext>
+    </p:extLst>
+  </p:cSld>
+  <p:clrMapOvr>
+    <a:masterClrMapping/>
+  </p:clrMapOvr>
+</p:sld>
+</file>
+
+<file path=ppt/slides/slide18.xml><?xml version="1.0" encoding="utf-8"?>
 <p:sld xmlns:a="http://schemas.openxmlformats.org/drawingml/2006/main" xmlns:r="http://schemas.openxmlformats.org/officeDocument/2006/relationships" xmlns:p="http://schemas.openxmlformats.org/presentationml/2006/main">
   <p:cSld>
     <p:spTree>
